--- a/5-distributed/distributed training tutorial.pptx
+++ b/5-distributed/distributed training tutorial.pptx
@@ -221,7 +221,7 @@
           <a:p>
             <a:fld id="{6DE0715C-D99C-8540-9DF1-5B9741DA8446}" type="datetimeFigureOut">
               <a:rPr lang="en-US" smtClean="0"/>
-              <a:t>7/31/20</a:t>
+              <a:t>8/23/2020</a:t>
             </a:fld>
             <a:endParaRPr lang="en-US"/>
           </a:p>
@@ -1010,7 +1010,7 @@
           <a:p>
             <a:fld id="{7AA7B378-4EA0-DB45-BF9D-DAAD420B5DFA}" type="datetimeFigureOut">
               <a:rPr lang="en-US" smtClean="0"/>
-              <a:t>7/31/20</a:t>
+              <a:t>8/23/2020</a:t>
             </a:fld>
             <a:endParaRPr lang="en-US"/>
           </a:p>
@@ -1208,7 +1208,7 @@
           <a:p>
             <a:fld id="{7AA7B378-4EA0-DB45-BF9D-DAAD420B5DFA}" type="datetimeFigureOut">
               <a:rPr lang="en-US" smtClean="0"/>
-              <a:t>7/31/20</a:t>
+              <a:t>8/23/2020</a:t>
             </a:fld>
             <a:endParaRPr lang="en-US"/>
           </a:p>
@@ -1416,7 +1416,7 @@
           <a:p>
             <a:fld id="{7AA7B378-4EA0-DB45-BF9D-DAAD420B5DFA}" type="datetimeFigureOut">
               <a:rPr lang="en-US" smtClean="0"/>
-              <a:t>7/31/20</a:t>
+              <a:t>8/23/2020</a:t>
             </a:fld>
             <a:endParaRPr lang="en-US"/>
           </a:p>
@@ -1614,7 +1614,7 @@
           <a:p>
             <a:fld id="{7AA7B378-4EA0-DB45-BF9D-DAAD420B5DFA}" type="datetimeFigureOut">
               <a:rPr lang="en-US" smtClean="0"/>
-              <a:t>7/31/20</a:t>
+              <a:t>8/23/2020</a:t>
             </a:fld>
             <a:endParaRPr lang="en-US"/>
           </a:p>
@@ -1889,7 +1889,7 @@
           <a:p>
             <a:fld id="{7AA7B378-4EA0-DB45-BF9D-DAAD420B5DFA}" type="datetimeFigureOut">
               <a:rPr lang="en-US" smtClean="0"/>
-              <a:t>7/31/20</a:t>
+              <a:t>8/23/2020</a:t>
             </a:fld>
             <a:endParaRPr lang="en-US"/>
           </a:p>
@@ -2154,7 +2154,7 @@
           <a:p>
             <a:fld id="{7AA7B378-4EA0-DB45-BF9D-DAAD420B5DFA}" type="datetimeFigureOut">
               <a:rPr lang="en-US" smtClean="0"/>
-              <a:t>7/31/20</a:t>
+              <a:t>8/23/2020</a:t>
             </a:fld>
             <a:endParaRPr lang="en-US"/>
           </a:p>
@@ -2566,7 +2566,7 @@
           <a:p>
             <a:fld id="{7AA7B378-4EA0-DB45-BF9D-DAAD420B5DFA}" type="datetimeFigureOut">
               <a:rPr lang="en-US" smtClean="0"/>
-              <a:t>7/31/20</a:t>
+              <a:t>8/23/2020</a:t>
             </a:fld>
             <a:endParaRPr lang="en-US"/>
           </a:p>
@@ -2707,7 +2707,7 @@
           <a:p>
             <a:fld id="{7AA7B378-4EA0-DB45-BF9D-DAAD420B5DFA}" type="datetimeFigureOut">
               <a:rPr lang="en-US" smtClean="0"/>
-              <a:t>7/31/20</a:t>
+              <a:t>8/23/2020</a:t>
             </a:fld>
             <a:endParaRPr lang="en-US"/>
           </a:p>
@@ -2820,7 +2820,7 @@
           <a:p>
             <a:fld id="{7AA7B378-4EA0-DB45-BF9D-DAAD420B5DFA}" type="datetimeFigureOut">
               <a:rPr lang="en-US" smtClean="0"/>
-              <a:t>7/31/20</a:t>
+              <a:t>8/23/2020</a:t>
             </a:fld>
             <a:endParaRPr lang="en-US"/>
           </a:p>
@@ -3131,7 +3131,7 @@
           <a:p>
             <a:fld id="{7AA7B378-4EA0-DB45-BF9D-DAAD420B5DFA}" type="datetimeFigureOut">
               <a:rPr lang="en-US" smtClean="0"/>
-              <a:t>7/31/20</a:t>
+              <a:t>8/23/2020</a:t>
             </a:fld>
             <a:endParaRPr lang="en-US"/>
           </a:p>
@@ -3419,7 +3419,7 @@
           <a:p>
             <a:fld id="{7AA7B378-4EA0-DB45-BF9D-DAAD420B5DFA}" type="datetimeFigureOut">
               <a:rPr lang="en-US" smtClean="0"/>
-              <a:t>7/31/20</a:t>
+              <a:t>8/23/2020</a:t>
             </a:fld>
             <a:endParaRPr lang="en-US"/>
           </a:p>
@@ -3660,7 +3660,7 @@
           <a:p>
             <a:fld id="{7AA7B378-4EA0-DB45-BF9D-DAAD420B5DFA}" type="datetimeFigureOut">
               <a:rPr lang="en-US" smtClean="0"/>
-              <a:t>7/31/20</a:t>
+              <a:t>8/23/2020</a:t>
             </a:fld>
             <a:endParaRPr lang="en-US"/>
           </a:p>
@@ -5601,7 +5601,7 @@
         <p:spPr>
           <a:xfrm>
             <a:off x="1422400" y="3105834"/>
-            <a:ext cx="6088462" cy="646331"/>
+            <a:ext cx="4762137" cy="646331"/>
           </a:xfrm>
           <a:prstGeom prst="rect">
             <a:avLst/>
@@ -5641,16 +5641,8 @@
               <a:t>dgl.distributed.DistGraph</a:t>
             </a:r>
             <a:r>
-              <a:rPr lang="en-US" dirty="0"/>
+              <a:rPr lang="en-US" dirty="0" smtClean="0"/>
               <a:t>(‘</a:t>
-            </a:r>
-            <a:r>
-              <a:rPr lang="en-US" dirty="0" err="1"/>
-              <a:t>ip_config.txt</a:t>
-            </a:r>
-            <a:r>
-              <a:rPr lang="en-US" dirty="0"/>
-              <a:t>’, ‘</a:t>
             </a:r>
             <a:r>
               <a:rPr lang="en-US" dirty="0" err="1"/>
@@ -5681,7 +5673,7 @@
         <p:spPr>
           <a:xfrm>
             <a:off x="1422400" y="5032374"/>
-            <a:ext cx="9599551" cy="646331"/>
+            <a:ext cx="8273227" cy="646331"/>
           </a:xfrm>
           <a:prstGeom prst="rect">
             <a:avLst/>
@@ -5721,16 +5713,8 @@
               <a:t>dgl.distributed.DistGraph</a:t>
             </a:r>
             <a:r>
-              <a:rPr lang="en-US" dirty="0"/>
+              <a:rPr lang="en-US" dirty="0" smtClean="0"/>
               <a:t>(‘</a:t>
-            </a:r>
-            <a:r>
-              <a:rPr lang="en-US" dirty="0" err="1"/>
-              <a:t>ip_config.txt</a:t>
-            </a:r>
-            <a:r>
-              <a:rPr lang="en-US" dirty="0"/>
-              <a:t>’, ‘</a:t>
             </a:r>
             <a:r>
               <a:rPr lang="en-US" dirty="0" err="1"/>
@@ -7331,15 +7315,15 @@
               <a:t>&gt;&gt;&gt; tensor = </a:t>
             </a:r>
             <a:r>
-              <a:rPr lang="en-US" dirty="0" err="1"/>
+              <a:rPr lang="en-US" dirty="0" err="1" smtClean="0"/>
               <a:t>dgl.distributed.DistTensor</a:t>
             </a:r>
             <a:r>
-              <a:rPr lang="en-US" dirty="0"/>
-              <a:t>(g, (</a:t>
-            </a:r>
-            <a:r>
-              <a:rPr lang="en-US" dirty="0" err="1"/>
+              <a:rPr lang="en-US" dirty="0" smtClean="0"/>
+              <a:t>((</a:t>
+            </a:r>
+            <a:r>
+              <a:rPr lang="en-US" dirty="0" err="1" smtClean="0"/>
               <a:t>g.number_of_nodes</a:t>
             </a:r>
             <a:r>
@@ -8722,15 +8706,15 @@
               <a:t> = </a:t>
             </a:r>
             <a:r>
-              <a:rPr lang="en-US" dirty="0" err="1"/>
+              <a:rPr lang="en-US" dirty="0" err="1" smtClean="0"/>
               <a:t>dgl.distributed.DistEmbedding</a:t>
             </a:r>
             <a:r>
-              <a:rPr lang="en-US" dirty="0"/>
-              <a:t>(g, </a:t>
-            </a:r>
-            <a:r>
-              <a:rPr lang="en-US" dirty="0" err="1"/>
+              <a:rPr lang="en-US" dirty="0" smtClean="0"/>
+              <a:t>(</a:t>
+            </a:r>
+            <a:r>
+              <a:rPr lang="en-US" dirty="0" err="1" smtClean="0"/>
               <a:t>g.number_of_nodes</a:t>
             </a:r>
             <a:r>
@@ -9311,20 +9295,16 @@
               <a:t>The high-level sampling APIs (e.g., </a:t>
             </a:r>
             <a:r>
-              <a:rPr lang="en-US" dirty="0" err="1"/>
+              <a:rPr lang="en-US" dirty="0" err="1" smtClean="0"/>
               <a:t>NodeDataLoader</a:t>
             </a:r>
             <a:r>
-              <a:rPr lang="en-US" dirty="0"/>
-              <a:t>, </a:t>
-            </a:r>
-            <a:r>
-              <a:rPr lang="en-US" dirty="0" err="1"/>
-              <a:t>EdgeDataLoader</a:t>
-            </a:r>
-            <a:r>
-              <a:rPr lang="en-US" dirty="0"/>
-              <a:t>) work for both </a:t>
+              <a:rPr lang="en-US" dirty="0" smtClean="0"/>
+              <a:t>) </a:t>
+            </a:r>
+            <a:r>
+              <a:rPr lang="en-US" dirty="0"/>
+              <a:t>work for both </a:t>
             </a:r>
             <a:r>
               <a:rPr lang="en-US" dirty="0" err="1"/>
@@ -9924,12 +9904,12 @@
               <a:t>python3 </a:t>
             </a:r>
             <a:r>
-              <a:rPr lang="en-US" dirty="0" err="1"/>
-              <a:t>copy_partitions.py</a:t>
-            </a:r>
-            <a:r>
-              <a:rPr lang="en-US" dirty="0"/>
-              <a:t> --</a:t>
+              <a:rPr lang="en-US" dirty="0" smtClean="0"/>
+              <a:t>copy_files.py </a:t>
+            </a:r>
+            <a:r>
+              <a:rPr lang="en-US" dirty="0"/>
+              <a:t>--</a:t>
             </a:r>
             <a:r>
               <a:rPr lang="en-US" dirty="0" err="1"/>
@@ -9937,15 +9917,7 @@
             </a:r>
             <a:r>
               <a:rPr lang="en-US" dirty="0"/>
-              <a:t> </a:t>
-            </a:r>
-            <a:r>
-              <a:rPr lang="en-US" dirty="0" err="1"/>
-              <a:t>ip_config.txt</a:t>
-            </a:r>
-            <a:r>
-              <a:rPr lang="en-US" dirty="0"/>
-              <a:t> \</a:t>
+              <a:t> ip_config.txt \</a:t>
             </a:r>
           </a:p>
           <a:p>
@@ -10955,13 +10927,7 @@
       </p:sp>
       <p:pic>
         <p:nvPicPr>
-          <p:cNvPr id="4" name="Picture 3">
-            <a:extLst>
-              <a:ext uri="{FF2B5EF4-FFF2-40B4-BE49-F238E27FC236}">
-                <a16:creationId xmlns:a16="http://schemas.microsoft.com/office/drawing/2014/main" id="{D0BE147E-A798-DE4F-A768-AE40713F8C22}"/>
-              </a:ext>
-            </a:extLst>
-          </p:cNvPr>
+          <p:cNvPr id="3" name="Picture 2"/>
           <p:cNvPicPr>
             <a:picLocks noChangeAspect="1"/>
           </p:cNvPicPr>
@@ -10975,8 +10941,8 @@
         </p:blipFill>
         <p:spPr>
           <a:xfrm>
-            <a:off x="5580994" y="1278876"/>
-            <a:ext cx="6173483" cy="5444836"/>
+            <a:off x="5580995" y="1286933"/>
+            <a:ext cx="6173482" cy="5492878"/>
           </a:xfrm>
           <a:prstGeom prst="rect">
             <a:avLst/>
@@ -11803,7 +11769,7 @@
         </p:spPr>
         <p:txBody>
           <a:bodyPr>
-            <a:normAutofit fontScale="92500"/>
+            <a:normAutofit lnSpcReduction="10000"/>
           </a:bodyPr>
           <a:lstStyle/>
           <a:p>
@@ -11833,9 +11799,22 @@
             </a:r>
           </a:p>
           <a:p>
-            <a:r>
-              <a:rPr lang="en-US" dirty="0"/>
-              <a:t>Only a small array (#partitions) is required to map node/edge to a partition.</a:t>
+            <a:pPr lvl="1"/>
+            <a:r>
+              <a:rPr lang="en-US" dirty="0" smtClean="0"/>
+              <a:t>Relabeling allows a </a:t>
+            </a:r>
+            <a:r>
+              <a:rPr lang="en-US" dirty="0"/>
+              <a:t>small array (#partitions) </a:t>
+            </a:r>
+            <a:r>
+              <a:rPr lang="en-US" dirty="0" smtClean="0"/>
+              <a:t>to </a:t>
+            </a:r>
+            <a:r>
+              <a:rPr lang="en-US" dirty="0"/>
+              <a:t>map node/edge to a partition.</a:t>
             </a:r>
           </a:p>
           <a:p>
@@ -13633,60 +13612,52 @@
           <a:p>
             <a:r>
               <a:rPr lang="en-US" dirty="0"/>
-              <a:t>DGL provides graph partitioning in two forms:</a:t>
-            </a:r>
+              <a:t>DGL </a:t>
+            </a:r>
+            <a:r>
+              <a:rPr lang="en-US" dirty="0" smtClean="0"/>
+              <a:t>provides API </a:t>
+            </a:r>
+            <a:r>
+              <a:rPr lang="en-US" i="1" dirty="0" err="1" smtClean="0"/>
+              <a:t>dgl.distributed.partition_graph</a:t>
+            </a:r>
+            <a:r>
+              <a:rPr lang="en-US" dirty="0" smtClean="0"/>
+              <a:t> for </a:t>
+            </a:r>
+            <a:r>
+              <a:rPr lang="en-US" dirty="0"/>
+              <a:t>graph </a:t>
+            </a:r>
+            <a:r>
+              <a:rPr lang="en-US" dirty="0" smtClean="0"/>
+              <a:t>partitioning:</a:t>
+            </a:r>
+            <a:endParaRPr lang="en-US" dirty="0"/>
           </a:p>
           <a:p>
             <a:pPr lvl="1"/>
             <a:r>
-              <a:rPr lang="en-US" dirty="0"/>
-              <a:t>API: </a:t>
-            </a:r>
-            <a:r>
-              <a:rPr lang="en-US" dirty="0" err="1"/>
-              <a:t>dgl.distributed.partition_graph</a:t>
+              <a:rPr lang="en-US" dirty="0" smtClean="0"/>
+              <a:t>Load </a:t>
+            </a:r>
+            <a:r>
+              <a:rPr lang="en-US" dirty="0"/>
+              <a:t>a graph to DGL in a customized way.</a:t>
+            </a:r>
+          </a:p>
+          <a:p>
+            <a:pPr lvl="1"/>
+            <a:r>
+              <a:rPr lang="en-US" dirty="0"/>
+              <a:t>More controls for load balancing</a:t>
+            </a:r>
+            <a:r>
+              <a:rPr lang="en-US" dirty="0" smtClean="0"/>
+              <a:t>.</a:t>
             </a:r>
             <a:endParaRPr lang="en-US" dirty="0"/>
-          </a:p>
-          <a:p>
-            <a:pPr lvl="2"/>
-            <a:r>
-              <a:rPr lang="en-US" dirty="0"/>
-              <a:t>Load a graph to DGL in a customized way.</a:t>
-            </a:r>
-          </a:p>
-          <a:p>
-            <a:pPr lvl="2"/>
-            <a:r>
-              <a:rPr lang="en-US" dirty="0"/>
-              <a:t>More controls for load balancing. </a:t>
-            </a:r>
-          </a:p>
-          <a:p>
-            <a:pPr lvl="1"/>
-            <a:r>
-              <a:rPr lang="en-US" dirty="0"/>
-              <a:t>Python script: tools/</a:t>
-            </a:r>
-            <a:r>
-              <a:rPr lang="en-US" dirty="0" err="1"/>
-              <a:t>partition.py</a:t>
-            </a:r>
-            <a:endParaRPr lang="en-US" dirty="0"/>
-          </a:p>
-          <a:p>
-            <a:pPr lvl="2"/>
-            <a:r>
-              <a:rPr lang="en-US" dirty="0"/>
-              <a:t>Input graph: a file that stores a graph in the DGL format.</a:t>
-            </a:r>
-          </a:p>
-          <a:p>
-            <a:pPr lvl="2"/>
-            <a:r>
-              <a:rPr lang="en-US" dirty="0"/>
-              <a:t>Pre-defined load balancing.</a:t>
-            </a:r>
           </a:p>
         </p:txBody>
       </p:sp>
